--- a/trunk/9. Presentation/AS_DeadlineTeam_Week7.pptx
+++ b/trunk/9. Presentation/AS_DeadlineTeam_Week7.pptx
@@ -3130,43 +3130,7 @@
                 <a:latin typeface="Arial" panose="020B0604020202020204" pitchFamily="34" charset="0"/>
                 <a:cs typeface="Arial" panose="020B0604020202020204" pitchFamily="34" charset="0"/>
               </a:rPr>
-              <a:t> (</a:t>
-            </a:r>
-            <a:r>
-              <a:rPr lang="en-US" sz="2000" dirty="0" smtClean="0">
-                <a:solidFill>
-                  <a:schemeClr val="accent5">
-                    <a:lumMod val="50000"/>
-                  </a:schemeClr>
-                </a:solidFill>
-                <a:latin typeface="Arial" panose="020B0604020202020204" pitchFamily="34" charset="0"/>
-                <a:cs typeface="Arial" panose="020B0604020202020204" pitchFamily="34" charset="0"/>
-              </a:rPr>
-              <a:t>12</a:t>
-            </a:r>
-            <a:r>
-              <a:rPr lang="en-US" sz="2000" dirty="0" smtClean="0">
-                <a:solidFill>
-                  <a:schemeClr val="accent5">
-                    <a:lumMod val="50000"/>
-                  </a:schemeClr>
-                </a:solidFill>
-                <a:latin typeface="Arial" panose="020B0604020202020204" pitchFamily="34" charset="0"/>
-                <a:cs typeface="Arial" panose="020B0604020202020204" pitchFamily="34" charset="0"/>
-              </a:rPr>
-              <a:t>/12/2013-18/12/2013</a:t>
-            </a:r>
-            <a:r>
-              <a:rPr lang="en-US" sz="2000" dirty="0" smtClean="0">
-                <a:solidFill>
-                  <a:schemeClr val="accent5">
-                    <a:lumMod val="50000"/>
-                  </a:schemeClr>
-                </a:solidFill>
-                <a:latin typeface="Arial" panose="020B0604020202020204" pitchFamily="34" charset="0"/>
-                <a:cs typeface="Arial" panose="020B0604020202020204" pitchFamily="34" charset="0"/>
-              </a:rPr>
-              <a:t>)</a:t>
+              <a:t> (12/12/2013-18/12/2013)</a:t>
             </a:r>
           </a:p>
           <a:p>
@@ -4292,7 +4256,6 @@
               <a:rPr lang="en-US" dirty="0" smtClean="0"/>
               <a:t>document</a:t>
             </a:r>
-            <a:endParaRPr lang="en-US" dirty="0" smtClean="0"/>
           </a:p>
         </p:txBody>
       </p:sp>
@@ -4325,7 +4288,6 @@
               <a:rPr lang="en-US" dirty="0" smtClean="0"/>
               <a:t>Create review plan for project</a:t>
             </a:r>
-            <a:endParaRPr lang="en-US" dirty="0" smtClean="0"/>
           </a:p>
         </p:txBody>
       </p:sp>
@@ -4364,17 +4326,16 @@
             </a:r>
             <a:r>
               <a:rPr lang="en-US" dirty="0" smtClean="0"/>
-              <a:t> </a:t>
-            </a:r>
-            <a:r>
-              <a:rPr lang="en-US" dirty="0" err="1" smtClean="0"/>
-              <a:t>description,entity</a:t>
+              <a:t> description</a:t>
             </a:r>
             <a:r>
               <a:rPr lang="en-US" dirty="0" smtClean="0"/>
-              <a:t> and quality attribute</a:t>
-            </a:r>
-            <a:endParaRPr lang="en-US" dirty="0" smtClean="0"/>
+              <a:t>, entity </a:t>
+            </a:r>
+            <a:r>
+              <a:rPr lang="en-US" dirty="0" smtClean="0"/>
+              <a:t>and quality attribute</a:t>
+            </a:r>
           </a:p>
         </p:txBody>
       </p:sp>
@@ -4449,7 +4410,6 @@
               <a:rPr lang="en-US" dirty="0" smtClean="0"/>
               <a:t>.</a:t>
             </a:r>
-            <a:endParaRPr lang="en-US" dirty="0" smtClean="0"/>
           </a:p>
         </p:txBody>
       </p:sp>
@@ -4695,19 +4655,7 @@
               <a:rPr lang="en-US" dirty="0" smtClean="0">
                 <a:latin typeface="Calibri" panose="020F0502020204030204" pitchFamily="34" charset="0"/>
               </a:rPr>
-              <a:t>Have presentation of SP&amp;QM subject on </a:t>
-            </a:r>
-            <a:r>
-              <a:rPr lang="en-US" dirty="0" smtClean="0">
-                <a:latin typeface="Calibri" panose="020F0502020204030204" pitchFamily="34" charset="0"/>
-              </a:rPr>
-              <a:t>this </a:t>
-            </a:r>
-            <a:r>
-              <a:rPr lang="en-US" dirty="0" smtClean="0">
-                <a:latin typeface="Calibri" panose="020F0502020204030204" pitchFamily="34" charset="0"/>
-              </a:rPr>
-              <a:t>week</a:t>
+              <a:t>Have presentation of SP&amp;QM subject on this week</a:t>
             </a:r>
             <a:endParaRPr lang="vi-VN" dirty="0" smtClean="0">
               <a:latin typeface="Calibri" panose="020F0502020204030204" pitchFamily="34" charset="0"/>

--- a/trunk/9. Presentation/AS_DeadlineTeam_Week7.pptx
+++ b/trunk/9. Presentation/AS_DeadlineTeam_Week7.pptx
@@ -8,10 +8,11 @@
     <p:sldId id="256" r:id="rId2"/>
     <p:sldId id="257" r:id="rId3"/>
     <p:sldId id="263" r:id="rId4"/>
-    <p:sldId id="264" r:id="rId5"/>
-    <p:sldId id="265" r:id="rId6"/>
-    <p:sldId id="266" r:id="rId7"/>
-    <p:sldId id="262" r:id="rId8"/>
+    <p:sldId id="267" r:id="rId5"/>
+    <p:sldId id="264" r:id="rId6"/>
+    <p:sldId id="265" r:id="rId7"/>
+    <p:sldId id="266" r:id="rId8"/>
+    <p:sldId id="262" r:id="rId9"/>
   </p:sldIdLst>
   <p:sldSz cx="12192000" cy="6858000"/>
   <p:notesSz cx="6858000" cy="9144000"/>
@@ -260,7 +261,7 @@
           <a:p>
             <a:fld id="{6D892D68-995E-4539-9486-B6D10005290E}" type="datetimeFigureOut">
               <a:rPr lang="vi-VN" smtClean="0"/>
-              <a:t>17/12/2013</a:t>
+              <a:t>18/12/2013</a:t>
             </a:fld>
             <a:endParaRPr lang="vi-VN"/>
           </a:p>
@@ -430,7 +431,7 @@
           <a:p>
             <a:fld id="{6D892D68-995E-4539-9486-B6D10005290E}" type="datetimeFigureOut">
               <a:rPr lang="vi-VN" smtClean="0"/>
-              <a:t>17/12/2013</a:t>
+              <a:t>18/12/2013</a:t>
             </a:fld>
             <a:endParaRPr lang="vi-VN"/>
           </a:p>
@@ -610,7 +611,7 @@
           <a:p>
             <a:fld id="{6D892D68-995E-4539-9486-B6D10005290E}" type="datetimeFigureOut">
               <a:rPr lang="vi-VN" smtClean="0"/>
-              <a:t>17/12/2013</a:t>
+              <a:t>18/12/2013</a:t>
             </a:fld>
             <a:endParaRPr lang="vi-VN"/>
           </a:p>
@@ -780,7 +781,7 @@
           <a:p>
             <a:fld id="{6D892D68-995E-4539-9486-B6D10005290E}" type="datetimeFigureOut">
               <a:rPr lang="vi-VN" smtClean="0"/>
-              <a:t>17/12/2013</a:t>
+              <a:t>18/12/2013</a:t>
             </a:fld>
             <a:endParaRPr lang="vi-VN"/>
           </a:p>
@@ -1026,7 +1027,7 @@
           <a:p>
             <a:fld id="{6D892D68-995E-4539-9486-B6D10005290E}" type="datetimeFigureOut">
               <a:rPr lang="vi-VN" smtClean="0"/>
-              <a:t>17/12/2013</a:t>
+              <a:t>18/12/2013</a:t>
             </a:fld>
             <a:endParaRPr lang="vi-VN"/>
           </a:p>
@@ -1258,7 +1259,7 @@
           <a:p>
             <a:fld id="{6D892D68-995E-4539-9486-B6D10005290E}" type="datetimeFigureOut">
               <a:rPr lang="vi-VN" smtClean="0"/>
-              <a:t>17/12/2013</a:t>
+              <a:t>18/12/2013</a:t>
             </a:fld>
             <a:endParaRPr lang="vi-VN"/>
           </a:p>
@@ -1625,7 +1626,7 @@
           <a:p>
             <a:fld id="{6D892D68-995E-4539-9486-B6D10005290E}" type="datetimeFigureOut">
               <a:rPr lang="vi-VN" smtClean="0"/>
-              <a:t>17/12/2013</a:t>
+              <a:t>18/12/2013</a:t>
             </a:fld>
             <a:endParaRPr lang="vi-VN"/>
           </a:p>
@@ -1743,7 +1744,7 @@
           <a:p>
             <a:fld id="{6D892D68-995E-4539-9486-B6D10005290E}" type="datetimeFigureOut">
               <a:rPr lang="vi-VN" smtClean="0"/>
-              <a:t>17/12/2013</a:t>
+              <a:t>18/12/2013</a:t>
             </a:fld>
             <a:endParaRPr lang="vi-VN"/>
           </a:p>
@@ -1838,7 +1839,7 @@
           <a:p>
             <a:fld id="{6D892D68-995E-4539-9486-B6D10005290E}" type="datetimeFigureOut">
               <a:rPr lang="vi-VN" smtClean="0"/>
-              <a:t>17/12/2013</a:t>
+              <a:t>18/12/2013</a:t>
             </a:fld>
             <a:endParaRPr lang="vi-VN"/>
           </a:p>
@@ -2115,7 +2116,7 @@
           <a:p>
             <a:fld id="{6D892D68-995E-4539-9486-B6D10005290E}" type="datetimeFigureOut">
               <a:rPr lang="vi-VN" smtClean="0"/>
-              <a:t>17/12/2013</a:t>
+              <a:t>18/12/2013</a:t>
             </a:fld>
             <a:endParaRPr lang="vi-VN"/>
           </a:p>
@@ -2368,7 +2369,7 @@
           <a:p>
             <a:fld id="{6D892D68-995E-4539-9486-B6D10005290E}" type="datetimeFigureOut">
               <a:rPr lang="vi-VN" smtClean="0"/>
-              <a:t>17/12/2013</a:t>
+              <a:t>18/12/2013</a:t>
             </a:fld>
             <a:endParaRPr lang="vi-VN"/>
           </a:p>
@@ -2581,7 +2582,7 @@
           <a:p>
             <a:fld id="{6D892D68-995E-4539-9486-B6D10005290E}" type="datetimeFigureOut">
               <a:rPr lang="vi-VN" smtClean="0"/>
-              <a:t>17/12/2013</a:t>
+              <a:t>18/12/2013</a:t>
             </a:fld>
             <a:endParaRPr lang="vi-VN"/>
           </a:p>
@@ -4227,7 +4228,7 @@
         </p:nvSpPr>
         <p:spPr>
           <a:xfrm>
-            <a:off x="1887215" y="1981426"/>
+            <a:off x="1887215" y="1827714"/>
             <a:ext cx="4701863" cy="646331"/>
           </a:xfrm>
           <a:prstGeom prst="rect">
@@ -4267,8 +4268,8 @@
         </p:nvSpPr>
         <p:spPr>
           <a:xfrm>
-            <a:off x="1887215" y="2861642"/>
-            <a:ext cx="3266535" cy="369332"/>
+            <a:off x="1887215" y="3882926"/>
+            <a:ext cx="3572196" cy="369332"/>
           </a:xfrm>
           <a:prstGeom prst="rect">
             <a:avLst/>
@@ -4286,7 +4287,7 @@
             </a:pPr>
             <a:r>
               <a:rPr lang="en-US" dirty="0" smtClean="0"/>
-              <a:t>Create review plan for project</a:t>
+              <a:t>Create review process for project</a:t>
             </a:r>
           </a:p>
         </p:txBody>
@@ -4299,8 +4300,8 @@
         </p:nvSpPr>
         <p:spPr>
           <a:xfrm>
-            <a:off x="1887215" y="3554247"/>
-            <a:ext cx="5924250" cy="369332"/>
+            <a:off x="1887215" y="4504278"/>
+            <a:ext cx="2340384" cy="369332"/>
           </a:xfrm>
           <a:prstGeom prst="rect">
             <a:avLst/>
@@ -4318,23 +4319,7 @@
             </a:pPr>
             <a:r>
               <a:rPr lang="en-US" dirty="0" smtClean="0"/>
-              <a:t>Re-update </a:t>
-            </a:r>
-            <a:r>
-              <a:rPr lang="en-US" dirty="0" err="1" smtClean="0"/>
-              <a:t>usecase</a:t>
-            </a:r>
-            <a:r>
-              <a:rPr lang="en-US" dirty="0" smtClean="0"/>
-              <a:t> description</a:t>
-            </a:r>
-            <a:r>
-              <a:rPr lang="en-US" dirty="0" smtClean="0"/>
-              <a:t>, entity </a:t>
-            </a:r>
-            <a:r>
-              <a:rPr lang="en-US" dirty="0" smtClean="0"/>
-              <a:t>and quality attribute</a:t>
+              <a:t>Update project plan</a:t>
             </a:r>
           </a:p>
         </p:txBody>
@@ -4389,8 +4374,8 @@
         </p:nvSpPr>
         <p:spPr>
           <a:xfrm>
-            <a:off x="1887215" y="4267605"/>
-            <a:ext cx="530915" cy="369332"/>
+            <a:off x="1887215" y="5087011"/>
+            <a:ext cx="3006657" cy="369332"/>
           </a:xfrm>
           <a:prstGeom prst="rect">
             <a:avLst/>
@@ -4408,7 +4393,79 @@
             </a:pPr>
             <a:r>
               <a:rPr lang="en-US" dirty="0" smtClean="0"/>
-              <a:t>.</a:t>
+              <a:t>Create individual’s </a:t>
+            </a:r>
+            <a:r>
+              <a:rPr lang="en-US" dirty="0" err="1" smtClean="0"/>
+              <a:t>timelog</a:t>
+            </a:r>
+            <a:r>
+              <a:rPr lang="en-US" dirty="0" smtClean="0"/>
+              <a:t> </a:t>
+            </a:r>
+          </a:p>
+        </p:txBody>
+      </p:sp>
+      <p:sp>
+        <p:nvSpPr>
+          <p:cNvPr id="11" name="Rectangle 10"/>
+          <p:cNvSpPr/>
+          <p:nvPr/>
+        </p:nvSpPr>
+        <p:spPr>
+          <a:xfrm>
+            <a:off x="1876667" y="2540195"/>
+            <a:ext cx="4701863" cy="369332"/>
+          </a:xfrm>
+          <a:prstGeom prst="rect">
+            <a:avLst/>
+          </a:prstGeom>
+        </p:spPr>
+        <p:txBody>
+          <a:bodyPr wrap="square">
+            <a:spAutoFit/>
+          </a:bodyPr>
+          <a:lstStyle/>
+          <a:p>
+            <a:pPr marL="285750" indent="-285750">
+              <a:buFont typeface="Wingdings" panose="05000000000000000000" pitchFamily="2" charset="2"/>
+              <a:buChar char="q"/>
+            </a:pPr>
+            <a:r>
+              <a:rPr lang="en-US" dirty="0" smtClean="0"/>
+              <a:t>Implementing training code </a:t>
+            </a:r>
+          </a:p>
+        </p:txBody>
+      </p:sp>
+      <p:sp>
+        <p:nvSpPr>
+          <p:cNvPr id="12" name="Rectangle 11"/>
+          <p:cNvSpPr/>
+          <p:nvPr/>
+        </p:nvSpPr>
+        <p:spPr>
+          <a:xfrm>
+            <a:off x="1898441" y="3203226"/>
+            <a:ext cx="4701863" cy="369332"/>
+          </a:xfrm>
+          <a:prstGeom prst="rect">
+            <a:avLst/>
+          </a:prstGeom>
+        </p:spPr>
+        <p:txBody>
+          <a:bodyPr wrap="square">
+            <a:spAutoFit/>
+          </a:bodyPr>
+          <a:lstStyle/>
+          <a:p>
+            <a:pPr marL="285750" indent="-285750">
+              <a:buFont typeface="Wingdings" panose="05000000000000000000" pitchFamily="2" charset="2"/>
+              <a:buChar char="q"/>
+            </a:pPr>
+            <a:r>
+              <a:rPr lang="en-US" dirty="0" smtClean="0"/>
+              <a:t>Update requirement plan</a:t>
             </a:r>
           </a:p>
         </p:txBody>
@@ -4535,7 +4592,7 @@
                 <a:latin typeface="Arial" panose="020B0604020202020204" pitchFamily="34" charset="0"/>
                 <a:cs typeface="Arial" panose="020B0604020202020204" pitchFamily="34" charset="0"/>
               </a:rPr>
-              <a:t>Issues</a:t>
+              <a:t>Last week’s accomplishments</a:t>
             </a:r>
             <a:endParaRPr lang="vi-VN" b="1" dirty="0">
               <a:solidFill>
@@ -4628,51 +4685,14 @@
       </p:sp>
       <p:sp>
         <p:nvSpPr>
-          <p:cNvPr id="13" name="Rectangle 12"/>
-          <p:cNvSpPr/>
-          <p:nvPr/>
-        </p:nvSpPr>
-        <p:spPr>
-          <a:xfrm>
-            <a:off x="1981200" y="2754868"/>
-            <a:ext cx="5195077" cy="369332"/>
-          </a:xfrm>
-          <a:prstGeom prst="rect">
-            <a:avLst/>
-          </a:prstGeom>
-        </p:spPr>
-        <p:txBody>
-          <a:bodyPr wrap="none">
-            <a:spAutoFit/>
-          </a:bodyPr>
-          <a:lstStyle/>
-          <a:p>
-            <a:pPr marL="285750" indent="-285750">
-              <a:buFont typeface="Wingdings" panose="05000000000000000000" pitchFamily="2" charset="2"/>
-              <a:buChar char="q"/>
-            </a:pPr>
-            <a:r>
-              <a:rPr lang="en-US" dirty="0" smtClean="0">
-                <a:latin typeface="Calibri" panose="020F0502020204030204" pitchFamily="34" charset="0"/>
-              </a:rPr>
-              <a:t>Have presentation of SP&amp;QM subject on this week</a:t>
-            </a:r>
-            <a:endParaRPr lang="vi-VN" dirty="0" smtClean="0">
-              <a:latin typeface="Calibri" panose="020F0502020204030204" pitchFamily="34" charset="0"/>
-            </a:endParaRPr>
-          </a:p>
-        </p:txBody>
-      </p:sp>
-      <p:sp>
-        <p:nvSpPr>
-          <p:cNvPr id="14" name="TextBox 13"/>
+          <p:cNvPr id="30" name="TextBox 29"/>
           <p:cNvSpPr txBox="1"/>
           <p:nvPr/>
         </p:nvSpPr>
         <p:spPr>
           <a:xfrm>
-            <a:off x="1549400" y="6019800"/>
-            <a:ext cx="431800" cy="276999"/>
+            <a:off x="1549400" y="6019801"/>
+            <a:ext cx="469900" cy="276999"/>
           </a:xfrm>
           <a:prstGeom prst="rect">
             <a:avLst/>
@@ -4693,7 +4713,7 @@
                   </a:schemeClr>
                 </a:solidFill>
               </a:rPr>
-              <a:t>4/6</a:t>
+              <a:t>3/6</a:t>
             </a:r>
             <a:endParaRPr lang="vi-VN" sz="1200" dirty="0">
               <a:solidFill>
@@ -4705,10 +4725,34 @@
           </a:p>
         </p:txBody>
       </p:sp>
+      <p:pic>
+        <p:nvPicPr>
+          <p:cNvPr id="6" name="Picture 5"/>
+          <p:cNvPicPr>
+            <a:picLocks noChangeAspect="1"/>
+          </p:cNvPicPr>
+          <p:nvPr/>
+        </p:nvPicPr>
+        <p:blipFill>
+          <a:blip r:embed="rId2"/>
+          <a:stretch>
+            <a:fillRect/>
+          </a:stretch>
+        </p:blipFill>
+        <p:spPr>
+          <a:xfrm>
+            <a:off x="1306289" y="1696224"/>
+            <a:ext cx="10123205" cy="3825804"/>
+          </a:xfrm>
+          <a:prstGeom prst="rect">
+            <a:avLst/>
+          </a:prstGeom>
+        </p:spPr>
+      </p:pic>
     </p:spTree>
     <p:extLst>
       <p:ext uri="{BB962C8B-B14F-4D97-AF65-F5344CB8AC3E}">
-        <p14:creationId xmlns:p14="http://schemas.microsoft.com/office/powerpoint/2010/main" val="772506788"/>
+        <p14:creationId xmlns:p14="http://schemas.microsoft.com/office/powerpoint/2010/main" val="3542988359"/>
       </p:ext>
     </p:extLst>
   </p:cSld>
@@ -4794,7 +4838,13 @@
           </a:bodyPr>
           <a:lstStyle/>
           <a:p>
-            <a:endParaRPr lang="vi-VN"/>
+            <a:endParaRPr lang="vi-VN">
+              <a:solidFill>
+                <a:schemeClr val="accent5">
+                  <a:lumMod val="50000"/>
+                </a:schemeClr>
+              </a:solidFill>
+            </a:endParaRPr>
           </a:p>
         </p:txBody>
       </p:sp>
@@ -4821,7 +4871,7 @@
                 <a:latin typeface="Arial" panose="020B0604020202020204" pitchFamily="34" charset="0"/>
                 <a:cs typeface="Arial" panose="020B0604020202020204" pitchFamily="34" charset="0"/>
               </a:rPr>
-              <a:t>Plan for next week</a:t>
+              <a:t>Issues</a:t>
             </a:r>
             <a:endParaRPr lang="vi-VN" b="1" dirty="0">
               <a:solidFill>
@@ -4914,24 +4964,38 @@
       </p:sp>
       <p:sp>
         <p:nvSpPr>
-          <p:cNvPr id="9" name="Rectangle 8"/>
+          <p:cNvPr id="13" name="Rectangle 12"/>
           <p:cNvSpPr/>
           <p:nvPr/>
         </p:nvSpPr>
         <p:spPr>
           <a:xfrm>
-            <a:off x="2089730" y="2391957"/>
-            <a:ext cx="7983418" cy="1754326"/>
+            <a:off x="1981200" y="2754868"/>
+            <a:ext cx="9668609" cy="1477328"/>
           </a:xfrm>
           <a:prstGeom prst="rect">
             <a:avLst/>
           </a:prstGeom>
         </p:spPr>
         <p:txBody>
-          <a:bodyPr wrap="square">
+          <a:bodyPr wrap="none">
             <a:spAutoFit/>
           </a:bodyPr>
           <a:lstStyle/>
+          <a:p>
+            <a:pPr marL="285750" indent="-285750" fontAlgn="b">
+              <a:buFont typeface="Wingdings" panose="05000000000000000000" pitchFamily="2" charset="2"/>
+              <a:buChar char="q"/>
+            </a:pPr>
+            <a:r>
+              <a:rPr lang="en-US" dirty="0" smtClean="0"/>
+              <a:t>Don’t establish meetings with customer, because team members don't complete their task works.</a:t>
+            </a:r>
+          </a:p>
+          <a:p>
+            <a:pPr fontAlgn="b"/>
+            <a:endParaRPr lang="en-US" dirty="0" smtClean="0"/>
+          </a:p>
           <a:p>
             <a:pPr marL="285750" indent="-285750">
               <a:buFont typeface="Wingdings" panose="05000000000000000000" pitchFamily="2" charset="2"/>
@@ -4939,85 +5003,15 @@
             </a:pPr>
             <a:r>
               <a:rPr lang="en-US" dirty="0" smtClean="0"/>
-              <a:t>Update </a:t>
+              <a:t>Team </a:t>
             </a:r>
             <a:r>
               <a:rPr lang="en-US" dirty="0"/>
-              <a:t>Architectural Drivers Specification </a:t>
+              <a:t>members front with semester II, so can't spend time for </a:t>
             </a:r>
             <a:r>
               <a:rPr lang="en-US" dirty="0" smtClean="0"/>
-              <a:t>document</a:t>
-            </a:r>
-            <a:endParaRPr lang="en-US" dirty="0" smtClean="0">
-              <a:solidFill>
-                <a:srgbClr val="000000"/>
-              </a:solidFill>
-              <a:latin typeface="Times New Roman" panose="02020603050405020304" pitchFamily="18" charset="0"/>
-            </a:endParaRPr>
-          </a:p>
-          <a:p>
-            <a:pPr marL="285750" indent="-285750">
-              <a:buFont typeface="Wingdings" panose="05000000000000000000" pitchFamily="2" charset="2"/>
-              <a:buChar char="q"/>
-            </a:pPr>
-            <a:r>
-              <a:rPr lang="en-US" dirty="0" smtClean="0"/>
-              <a:t>Update </a:t>
-            </a:r>
-            <a:r>
-              <a:rPr lang="en-US" dirty="0"/>
-              <a:t>product backlog </a:t>
-            </a:r>
-            <a:r>
-              <a:rPr lang="en-US" dirty="0" smtClean="0"/>
-              <a:t>document</a:t>
-            </a:r>
-          </a:p>
-          <a:p>
-            <a:pPr marL="285750" indent="-285750">
-              <a:buFont typeface="Wingdings" panose="05000000000000000000" pitchFamily="2" charset="2"/>
-              <a:buChar char="q"/>
-            </a:pPr>
-            <a:r>
-              <a:rPr lang="en-US" dirty="0" smtClean="0"/>
-              <a:t>Report </a:t>
-            </a:r>
-            <a:r>
-              <a:rPr lang="en-US" dirty="0"/>
-              <a:t>and review documents relevant with </a:t>
-            </a:r>
-            <a:r>
-              <a:rPr lang="en-US" dirty="0" smtClean="0"/>
-              <a:t>mentor</a:t>
-            </a:r>
-          </a:p>
-          <a:p>
-            <a:pPr marL="285750" indent="-285750">
-              <a:buFont typeface="Wingdings" panose="05000000000000000000" pitchFamily="2" charset="2"/>
-              <a:buChar char="q"/>
-            </a:pPr>
-            <a:r>
-              <a:rPr lang="en-US" dirty="0" smtClean="0"/>
-              <a:t>Transfer </a:t>
-            </a:r>
-            <a:r>
-              <a:rPr lang="en-US" dirty="0"/>
-              <a:t>requirement relevant documents to English </a:t>
-            </a:r>
-            <a:r>
-              <a:rPr lang="en-US" dirty="0" smtClean="0"/>
-              <a:t>version</a:t>
-            </a:r>
-          </a:p>
-          <a:p>
-            <a:pPr marL="285750" indent="-285750">
-              <a:buFont typeface="Wingdings" panose="05000000000000000000" pitchFamily="2" charset="2"/>
-              <a:buChar char="q"/>
-            </a:pPr>
-            <a:r>
-              <a:rPr lang="en-US" dirty="0" smtClean="0"/>
-              <a:t>Complete requirement to review with customer </a:t>
+              <a:t>project.</a:t>
             </a:r>
             <a:endParaRPr lang="en-US" dirty="0"/>
           </a:p>
@@ -5028,18 +5022,27 @@
             </a:pPr>
             <a:endParaRPr lang="en-US" dirty="0" smtClean="0"/>
           </a:p>
-        </p:txBody>
-      </p:sp>
-      <p:sp>
-        <p:nvSpPr>
-          <p:cNvPr id="15" name="TextBox 14"/>
+          <a:p>
+            <a:pPr marL="285750" indent="-285750">
+              <a:buFont typeface="Wingdings" panose="05000000000000000000" pitchFamily="2" charset="2"/>
+              <a:buChar char="q"/>
+            </a:pPr>
+            <a:endParaRPr lang="vi-VN" dirty="0" smtClean="0">
+              <a:latin typeface="Calibri" panose="020F0502020204030204" pitchFamily="34" charset="0"/>
+            </a:endParaRPr>
+          </a:p>
+        </p:txBody>
+      </p:sp>
+      <p:sp>
+        <p:nvSpPr>
+          <p:cNvPr id="14" name="TextBox 13"/>
           <p:cNvSpPr txBox="1"/>
           <p:nvPr/>
         </p:nvSpPr>
         <p:spPr>
           <a:xfrm>
             <a:off x="1549400" y="6019800"/>
-            <a:ext cx="444500" cy="276999"/>
+            <a:ext cx="431800" cy="276999"/>
           </a:xfrm>
           <a:prstGeom prst="rect">
             <a:avLst/>
@@ -5060,7 +5063,7 @@
                   </a:schemeClr>
                 </a:solidFill>
               </a:rPr>
-              <a:t>5/6</a:t>
+              <a:t>4/6</a:t>
             </a:r>
             <a:endParaRPr lang="vi-VN" sz="1200" dirty="0">
               <a:solidFill>
@@ -5072,35 +5075,85 @@
           </a:p>
         </p:txBody>
       </p:sp>
-      <p:sp>
-        <p:nvSpPr>
-          <p:cNvPr id="10" name="Rectangle 9"/>
-          <p:cNvSpPr/>
+      <p:graphicFrame>
+        <p:nvGraphicFramePr>
+          <p:cNvPr id="3" name="Table 2"/>
+          <p:cNvGraphicFramePr>
+            <a:graphicFrameLocks noGrp="1"/>
+          </p:cNvGraphicFramePr>
           <p:nvPr/>
-        </p:nvSpPr>
-        <p:spPr>
-          <a:xfrm>
-            <a:off x="1904999" y="4415080"/>
-            <a:ext cx="184731" cy="369332"/>
-          </a:xfrm>
-          <a:prstGeom prst="rect">
-            <a:avLst/>
-          </a:prstGeom>
-        </p:spPr>
-        <p:txBody>
-          <a:bodyPr wrap="none">
-            <a:spAutoFit/>
-          </a:bodyPr>
-          <a:lstStyle/>
-          <a:p>
-            <a:endParaRPr lang="en-US" dirty="0" smtClean="0"/>
-          </a:p>
-        </p:txBody>
-      </p:sp>
+        </p:nvGraphicFramePr>
+        <p:xfrm>
+          <a:off x="0" y="0"/>
+          <a:ext cx="7213600" cy="495300"/>
+        </p:xfrm>
+        <a:graphic>
+          <a:graphicData uri="http://schemas.openxmlformats.org/drawingml/2006/table">
+            <a:tbl>
+              <a:tblPr>
+                <a:tableStyleId>{5C22544A-7EE6-4342-B048-85BDC9FD1C3A}</a:tableStyleId>
+              </a:tblPr>
+              <a:tblGrid>
+                <a:gridCol w="7213600"/>
+              </a:tblGrid>
+              <a:tr h="257175">
+                <a:tc>
+                  <a:txBody>
+                    <a:bodyPr/>
+                    <a:lstStyle/>
+                    <a:p>
+                      <a:pPr algn="l" fontAlgn="b"/>
+                      <a:r>
+                        <a:rPr lang="en-US" sz="1400" u="none" strike="noStrike">
+                          <a:effectLst/>
+                        </a:rPr>
+                        <a:t>Don't establish meetings with customer, beacause team members don't complete their task works</a:t>
+                      </a:r>
+                      <a:endParaRPr lang="en-US" sz="1400" b="0" i="0" u="none" strike="noStrike">
+                        <a:solidFill>
+                          <a:srgbClr val="000000"/>
+                        </a:solidFill>
+                        <a:effectLst/>
+                        <a:latin typeface="Times New Roman" panose="02020603050405020304" pitchFamily="18" charset="0"/>
+                      </a:endParaRPr>
+                    </a:p>
+                  </a:txBody>
+                  <a:tcPr marL="9525" marR="9525" marT="9525" marB="0" anchor="b"/>
+                </a:tc>
+              </a:tr>
+              <a:tr h="238125">
+                <a:tc>
+                  <a:txBody>
+                    <a:bodyPr/>
+                    <a:lstStyle/>
+                    <a:p>
+                      <a:pPr algn="l" fontAlgn="b"/>
+                      <a:r>
+                        <a:rPr lang="en-US" sz="1400" u="none" strike="noStrike" dirty="0">
+                          <a:effectLst/>
+                        </a:rPr>
+                        <a:t>Team members front with semester II, so can't spend time for project</a:t>
+                      </a:r>
+                      <a:endParaRPr lang="en-US" sz="1400" b="0" i="0" u="none" strike="noStrike" dirty="0">
+                        <a:solidFill>
+                          <a:srgbClr val="000000"/>
+                        </a:solidFill>
+                        <a:effectLst/>
+                        <a:latin typeface="Times New Roman" panose="02020603050405020304" pitchFamily="18" charset="0"/>
+                      </a:endParaRPr>
+                    </a:p>
+                  </a:txBody>
+                  <a:tcPr marL="9525" marR="9525" marT="9525" marB="0" anchor="b"/>
+                </a:tc>
+              </a:tr>
+            </a:tbl>
+          </a:graphicData>
+        </a:graphic>
+      </p:graphicFrame>
     </p:spTree>
     <p:extLst>
       <p:ext uri="{BB962C8B-B14F-4D97-AF65-F5344CB8AC3E}">
-        <p14:creationId xmlns:p14="http://schemas.microsoft.com/office/powerpoint/2010/main" val="4200675320"/>
+        <p14:creationId xmlns:p14="http://schemas.microsoft.com/office/powerpoint/2010/main" val="772506788"/>
       </p:ext>
     </p:extLst>
   </p:cSld>
@@ -5213,6 +5266,442 @@
                 <a:latin typeface="Arial" panose="020B0604020202020204" pitchFamily="34" charset="0"/>
                 <a:cs typeface="Arial" panose="020B0604020202020204" pitchFamily="34" charset="0"/>
               </a:rPr>
+              <a:t>Plan for next week</a:t>
+            </a:r>
+            <a:endParaRPr lang="vi-VN" b="1" dirty="0">
+              <a:solidFill>
+                <a:schemeClr val="bg1"/>
+              </a:solidFill>
+              <a:latin typeface="Arial" panose="020B0604020202020204" pitchFamily="34" charset="0"/>
+              <a:cs typeface="Arial" panose="020B0604020202020204" pitchFamily="34" charset="0"/>
+            </a:endParaRPr>
+          </a:p>
+        </p:txBody>
+      </p:sp>
+      <p:cxnSp>
+        <p:nvCxnSpPr>
+          <p:cNvPr id="21" name="Straight Connector 20"/>
+          <p:cNvCxnSpPr/>
+          <p:nvPr/>
+        </p:nvCxnSpPr>
+        <p:spPr>
+          <a:xfrm>
+            <a:off x="1536700" y="5996842"/>
+            <a:ext cx="9144000" cy="0"/>
+          </a:xfrm>
+          <a:prstGeom prst="line">
+            <a:avLst/>
+          </a:prstGeom>
+          <a:ln>
+            <a:solidFill>
+              <a:schemeClr val="accent5">
+                <a:lumMod val="50000"/>
+              </a:schemeClr>
+            </a:solidFill>
+          </a:ln>
+        </p:spPr>
+        <p:style>
+          <a:lnRef idx="1">
+            <a:schemeClr val="accent1"/>
+          </a:lnRef>
+          <a:fillRef idx="0">
+            <a:schemeClr val="accent1"/>
+          </a:fillRef>
+          <a:effectRef idx="0">
+            <a:schemeClr val="accent1"/>
+          </a:effectRef>
+          <a:fontRef idx="minor">
+            <a:schemeClr val="tx1"/>
+          </a:fontRef>
+        </p:style>
+      </p:cxnSp>
+      <p:sp>
+        <p:nvSpPr>
+          <p:cNvPr id="22" name="TextBox 21"/>
+          <p:cNvSpPr txBox="1"/>
+          <p:nvPr/>
+        </p:nvSpPr>
+        <p:spPr>
+          <a:xfrm>
+            <a:off x="6057542" y="6061753"/>
+            <a:ext cx="4647554" cy="276999"/>
+          </a:xfrm>
+          <a:prstGeom prst="rect">
+            <a:avLst/>
+          </a:prstGeom>
+          <a:noFill/>
+        </p:spPr>
+        <p:txBody>
+          <a:bodyPr wrap="none" rtlCol="0">
+            <a:spAutoFit/>
+          </a:bodyPr>
+          <a:lstStyle/>
+          <a:p>
+            <a:r>
+              <a:rPr lang="vi-VN" sz="1200" dirty="0" smtClean="0">
+                <a:solidFill>
+                  <a:schemeClr val="accent5">
+                    <a:lumMod val="50000"/>
+                  </a:schemeClr>
+                </a:solidFill>
+              </a:rPr>
+              <a:t>Admission system – DeadlineTeam – Mentor: Mr. Bui Minh Phung</a:t>
+            </a:r>
+            <a:endParaRPr lang="vi-VN" sz="1200" dirty="0">
+              <a:solidFill>
+                <a:schemeClr val="accent5">
+                  <a:lumMod val="50000"/>
+                </a:schemeClr>
+              </a:solidFill>
+            </a:endParaRPr>
+          </a:p>
+        </p:txBody>
+      </p:sp>
+      <p:sp>
+        <p:nvSpPr>
+          <p:cNvPr id="9" name="Rectangle 8"/>
+          <p:cNvSpPr/>
+          <p:nvPr/>
+        </p:nvSpPr>
+        <p:spPr>
+          <a:xfrm>
+            <a:off x="1685969" y="1995264"/>
+            <a:ext cx="7983418" cy="3416320"/>
+          </a:xfrm>
+          <a:prstGeom prst="rect">
+            <a:avLst/>
+          </a:prstGeom>
+        </p:spPr>
+        <p:txBody>
+          <a:bodyPr wrap="square">
+            <a:spAutoFit/>
+          </a:bodyPr>
+          <a:lstStyle/>
+          <a:p>
+            <a:pPr marL="285750" indent="-285750">
+              <a:buFont typeface="Wingdings" panose="05000000000000000000" pitchFamily="2" charset="2"/>
+              <a:buChar char="q"/>
+            </a:pPr>
+            <a:r>
+              <a:rPr lang="en-US" dirty="0"/>
+              <a:t>Continues update and analyze </a:t>
+            </a:r>
+            <a:br>
+              <a:rPr lang="en-US" dirty="0"/>
+            </a:br>
+            <a:r>
+              <a:rPr lang="en-US" dirty="0"/>
+              <a:t>+ Quality attributes scenarios</a:t>
+            </a:r>
+            <a:br>
+              <a:rPr lang="en-US" dirty="0"/>
+            </a:br>
+            <a:r>
+              <a:rPr lang="en-US" dirty="0"/>
+              <a:t>+ Technical/business constraints </a:t>
+            </a:r>
+            <a:endParaRPr lang="en-US" dirty="0">
+              <a:solidFill>
+                <a:srgbClr val="000000"/>
+              </a:solidFill>
+              <a:latin typeface="Times New Roman" panose="02020603050405020304" pitchFamily="18" charset="0"/>
+            </a:endParaRPr>
+          </a:p>
+          <a:p>
+            <a:pPr marL="285750" indent="-285750">
+              <a:buFont typeface="Wingdings" panose="05000000000000000000" pitchFamily="2" charset="2"/>
+              <a:buChar char="q"/>
+            </a:pPr>
+            <a:r>
+              <a:rPr lang="en-US" dirty="0"/>
+              <a:t>Review Architectural Drivers Specification with team </a:t>
+            </a:r>
+            <a:r>
+              <a:rPr lang="en-US" dirty="0" smtClean="0"/>
+              <a:t>members</a:t>
+            </a:r>
+          </a:p>
+          <a:p>
+            <a:pPr marL="285750" indent="-285750">
+              <a:buFont typeface="Wingdings" panose="05000000000000000000" pitchFamily="2" charset="2"/>
+              <a:buChar char="q"/>
+            </a:pPr>
+            <a:r>
+              <a:rPr lang="en-US" dirty="0"/>
+              <a:t>Meeting with customer #5</a:t>
+            </a:r>
+            <a:br>
+              <a:rPr lang="en-US" dirty="0"/>
+            </a:br>
+            <a:r>
+              <a:rPr lang="en-US" dirty="0"/>
+              <a:t>+ Review Quality attribute and constraints</a:t>
+            </a:r>
+            <a:br>
+              <a:rPr lang="en-US" dirty="0"/>
+            </a:br>
+            <a:r>
+              <a:rPr lang="en-US" dirty="0"/>
+              <a:t>+ Define </a:t>
+            </a:r>
+            <a:r>
+              <a:rPr lang="en-US" dirty="0" smtClean="0"/>
+              <a:t>prioritization.</a:t>
+            </a:r>
+          </a:p>
+          <a:p>
+            <a:pPr marL="285750" indent="-285750">
+              <a:buFont typeface="Wingdings" panose="05000000000000000000" pitchFamily="2" charset="2"/>
+              <a:buChar char="q"/>
+            </a:pPr>
+            <a:r>
+              <a:rPr lang="en-US" dirty="0" smtClean="0"/>
+              <a:t>Transfer </a:t>
+            </a:r>
+            <a:r>
+              <a:rPr lang="en-US" dirty="0"/>
+              <a:t>requirement relevant documents to English </a:t>
+            </a:r>
+            <a:r>
+              <a:rPr lang="en-US" dirty="0" smtClean="0"/>
+              <a:t>version.</a:t>
+            </a:r>
+          </a:p>
+          <a:p>
+            <a:pPr marL="285750" indent="-285750">
+              <a:buFont typeface="Wingdings" panose="05000000000000000000" pitchFamily="2" charset="2"/>
+              <a:buChar char="q"/>
+            </a:pPr>
+            <a:r>
+              <a:rPr lang="en-US" dirty="0"/>
+              <a:t>Update whole architectural drivers specification document &lt; send file validation </a:t>
+            </a:r>
+            <a:br>
+              <a:rPr lang="en-US" dirty="0"/>
+            </a:br>
+            <a:r>
+              <a:rPr lang="en-US" dirty="0"/>
+              <a:t>from customer +stakeholder </a:t>
+            </a:r>
+            <a:r>
+              <a:rPr lang="en-US" dirty="0" smtClean="0"/>
+              <a:t>priority&gt;customer .</a:t>
+            </a:r>
+            <a:endParaRPr lang="en-US" dirty="0"/>
+          </a:p>
+          <a:p>
+            <a:pPr marL="285750" indent="-285750">
+              <a:buFont typeface="Wingdings" panose="05000000000000000000" pitchFamily="2" charset="2"/>
+              <a:buChar char="q"/>
+            </a:pPr>
+            <a:r>
+              <a:rPr lang="en-US" dirty="0"/>
+              <a:t>Establish Project Scope</a:t>
+            </a:r>
+            <a:r>
+              <a:rPr lang="en-US" dirty="0" smtClean="0"/>
+              <a:t>.</a:t>
+            </a:r>
+          </a:p>
+          <a:p>
+            <a:pPr marL="285750" indent="-285750">
+              <a:buFont typeface="Wingdings" panose="05000000000000000000" pitchFamily="2" charset="2"/>
+              <a:buChar char="q"/>
+            </a:pPr>
+            <a:r>
+              <a:rPr lang="en-US" dirty="0"/>
+              <a:t>Review customer, mentor &amp; closed architecture drivers </a:t>
+            </a:r>
+            <a:r>
+              <a:rPr lang="en-US" dirty="0" smtClean="0"/>
+              <a:t>specification.</a:t>
+            </a:r>
+          </a:p>
+        </p:txBody>
+      </p:sp>
+      <p:sp>
+        <p:nvSpPr>
+          <p:cNvPr id="15" name="TextBox 14"/>
+          <p:cNvSpPr txBox="1"/>
+          <p:nvPr/>
+        </p:nvSpPr>
+        <p:spPr>
+          <a:xfrm>
+            <a:off x="1549400" y="6019800"/>
+            <a:ext cx="444500" cy="276999"/>
+          </a:xfrm>
+          <a:prstGeom prst="rect">
+            <a:avLst/>
+          </a:prstGeom>
+          <a:noFill/>
+        </p:spPr>
+        <p:txBody>
+          <a:bodyPr wrap="square" rtlCol="0">
+            <a:spAutoFit/>
+          </a:bodyPr>
+          <a:lstStyle/>
+          <a:p>
+            <a:r>
+              <a:rPr lang="vi-VN" sz="1200" dirty="0" smtClean="0">
+                <a:solidFill>
+                  <a:schemeClr val="accent5">
+                    <a:lumMod val="50000"/>
+                  </a:schemeClr>
+                </a:solidFill>
+              </a:rPr>
+              <a:t>5/6</a:t>
+            </a:r>
+            <a:endParaRPr lang="vi-VN" sz="1200" dirty="0">
+              <a:solidFill>
+                <a:schemeClr val="accent5">
+                  <a:lumMod val="50000"/>
+                </a:schemeClr>
+              </a:solidFill>
+            </a:endParaRPr>
+          </a:p>
+        </p:txBody>
+      </p:sp>
+      <p:sp>
+        <p:nvSpPr>
+          <p:cNvPr id="10" name="Rectangle 9"/>
+          <p:cNvSpPr/>
+          <p:nvPr/>
+        </p:nvSpPr>
+        <p:spPr>
+          <a:xfrm>
+            <a:off x="1904999" y="4415080"/>
+            <a:ext cx="184731" cy="369332"/>
+          </a:xfrm>
+          <a:prstGeom prst="rect">
+            <a:avLst/>
+          </a:prstGeom>
+        </p:spPr>
+        <p:txBody>
+          <a:bodyPr wrap="none">
+            <a:spAutoFit/>
+          </a:bodyPr>
+          <a:lstStyle/>
+          <a:p>
+            <a:endParaRPr lang="en-US" dirty="0" smtClean="0"/>
+          </a:p>
+        </p:txBody>
+      </p:sp>
+    </p:spTree>
+    <p:extLst>
+      <p:ext uri="{BB962C8B-B14F-4D97-AF65-F5344CB8AC3E}">
+        <p14:creationId xmlns:p14="http://schemas.microsoft.com/office/powerpoint/2010/main" val="4200675320"/>
+      </p:ext>
+    </p:extLst>
+  </p:cSld>
+  <p:clrMapOvr>
+    <a:masterClrMapping/>
+  </p:clrMapOvr>
+  <p:timing>
+    <p:tnLst>
+      <p:par>
+        <p:cTn id="1" dur="indefinite" restart="never" nodeType="tmRoot"/>
+      </p:par>
+    </p:tnLst>
+  </p:timing>
+</p:sld>
+</file>
+
+<file path=ppt/slides/slide7.xml><?xml version="1.0" encoding="utf-8"?>
+<p:sld xmlns:a="http://schemas.openxmlformats.org/drawingml/2006/main" xmlns:r="http://schemas.openxmlformats.org/officeDocument/2006/relationships" xmlns:p="http://schemas.openxmlformats.org/presentationml/2006/main">
+  <p:cSld>
+    <p:spTree>
+      <p:nvGrpSpPr>
+        <p:cNvPr id="1" name=""/>
+        <p:cNvGrpSpPr/>
+        <p:nvPr/>
+      </p:nvGrpSpPr>
+      <p:grpSpPr>
+        <a:xfrm>
+          <a:off x="0" y="0"/>
+          <a:ext cx="0" cy="0"/>
+          <a:chOff x="0" y="0"/>
+          <a:chExt cx="0" cy="0"/>
+        </a:xfrm>
+      </p:grpSpPr>
+      <p:sp>
+        <p:nvSpPr>
+          <p:cNvPr id="4" name="Rectangle 3"/>
+          <p:cNvSpPr/>
+          <p:nvPr/>
+        </p:nvSpPr>
+        <p:spPr>
+          <a:xfrm>
+            <a:off x="0" y="669701"/>
+            <a:ext cx="12192000" cy="708338"/>
+          </a:xfrm>
+          <a:prstGeom prst="rect">
+            <a:avLst/>
+          </a:prstGeom>
+          <a:solidFill>
+            <a:schemeClr val="accent5">
+              <a:lumMod val="50000"/>
+            </a:schemeClr>
+          </a:solidFill>
+          <a:ln>
+            <a:solidFill>
+              <a:schemeClr val="accent5">
+                <a:lumMod val="50000"/>
+              </a:schemeClr>
+            </a:solidFill>
+          </a:ln>
+        </p:spPr>
+        <p:style>
+          <a:lnRef idx="2">
+            <a:schemeClr val="accent1">
+              <a:shade val="50000"/>
+            </a:schemeClr>
+          </a:lnRef>
+          <a:fillRef idx="1">
+            <a:schemeClr val="accent1"/>
+          </a:fillRef>
+          <a:effectRef idx="0">
+            <a:schemeClr val="accent1"/>
+          </a:effectRef>
+          <a:fontRef idx="minor">
+            <a:schemeClr val="lt1"/>
+          </a:fontRef>
+        </p:style>
+        <p:txBody>
+          <a:bodyPr rot="0" spcFirstLastPara="0" vert="horz" wrap="square" lIns="91440" tIns="45720" rIns="91440" bIns="45720" numCol="1" spcCol="0" rtlCol="0" fromWordArt="0" anchor="ctr" anchorCtr="0" forceAA="0" compatLnSpc="1">
+            <a:prstTxWarp prst="textNoShape">
+              <a:avLst/>
+            </a:prstTxWarp>
+            <a:noAutofit/>
+          </a:bodyPr>
+          <a:lstStyle/>
+          <a:p>
+            <a:endParaRPr lang="vi-VN"/>
+          </a:p>
+        </p:txBody>
+      </p:sp>
+      <p:sp>
+        <p:nvSpPr>
+          <p:cNvPr id="2" name="Title 1"/>
+          <p:cNvSpPr>
+            <a:spLocks noGrp="1"/>
+          </p:cNvSpPr>
+          <p:nvPr>
+            <p:ph type="title"/>
+          </p:nvPr>
+        </p:nvSpPr>
+        <p:spPr/>
+        <p:txBody>
+          <a:bodyPr/>
+          <a:lstStyle/>
+          <a:p>
+            <a:r>
+              <a:rPr lang="en-US" b="1" dirty="0" smtClean="0">
+                <a:solidFill>
+                  <a:schemeClr val="bg1"/>
+                </a:solidFill>
+                <a:latin typeface="Arial" panose="020B0604020202020204" pitchFamily="34" charset="0"/>
+                <a:cs typeface="Arial" panose="020B0604020202020204" pitchFamily="34" charset="0"/>
+              </a:rPr>
               <a:t>Risks</a:t>
             </a:r>
             <a:endParaRPr lang="vi-VN" b="1" dirty="0">
@@ -5402,7 +5891,7 @@
 </p:sld>
 </file>
 
-<file path=ppt/slides/slide7.xml><?xml version="1.0" encoding="utf-8"?>
+<file path=ppt/slides/slide8.xml><?xml version="1.0" encoding="utf-8"?>
 <p:sld xmlns:a="http://schemas.openxmlformats.org/drawingml/2006/main" xmlns:r="http://schemas.openxmlformats.org/officeDocument/2006/relationships" xmlns:p="http://schemas.openxmlformats.org/presentationml/2006/main">
   <p:cSld>
     <p:spTree>
